--- a/DS_2016_2017/DS_01_AlgorithmeCasteljau/images/Figures.pptx
+++ b/DS_2016_2017/DS_01_AlgorithmeCasteljau/images/Figures.pptx
@@ -6,8 +6,9 @@
   </p:sldMasterIdLst>
   <p:sldIdLst>
     <p:sldId id="256" r:id="rId2"/>
-    <p:sldId id="258" r:id="rId3"/>
-    <p:sldId id="257" r:id="rId4"/>
+    <p:sldId id="259" r:id="rId3"/>
+    <p:sldId id="258" r:id="rId4"/>
+    <p:sldId id="257" r:id="rId5"/>
   </p:sldIdLst>
   <p:sldSz cx="9144000" cy="6858000" type="screen4x3"/>
   <p:notesSz cx="6858000" cy="9144000"/>
@@ -290,7 +291,7 @@
           <a:p>
             <a:fld id="{AA309A6D-C09C-4548-B29A-6CF363A7E532}" type="datetimeFigureOut">
               <a:rPr lang="fr-FR" smtClean="0"/>
-              <a:t>10/02/2016</a:t>
+              <a:t>06/10/2016</a:t>
             </a:fld>
             <a:endParaRPr lang="fr-BE"/>
           </a:p>
@@ -455,7 +456,7 @@
           <a:p>
             <a:fld id="{AA309A6D-C09C-4548-B29A-6CF363A7E532}" type="datetimeFigureOut">
               <a:rPr lang="fr-FR" smtClean="0"/>
-              <a:t>10/02/2016</a:t>
+              <a:t>06/10/2016</a:t>
             </a:fld>
             <a:endParaRPr lang="fr-BE"/>
           </a:p>
@@ -630,7 +631,7 @@
           <a:p>
             <a:fld id="{AA309A6D-C09C-4548-B29A-6CF363A7E532}" type="datetimeFigureOut">
               <a:rPr lang="fr-FR" smtClean="0"/>
-              <a:t>10/02/2016</a:t>
+              <a:t>06/10/2016</a:t>
             </a:fld>
             <a:endParaRPr lang="fr-BE"/>
           </a:p>
@@ -795,7 +796,7 @@
           <a:p>
             <a:fld id="{AA309A6D-C09C-4548-B29A-6CF363A7E532}" type="datetimeFigureOut">
               <a:rPr lang="fr-FR" smtClean="0"/>
-              <a:t>10/02/2016</a:t>
+              <a:t>06/10/2016</a:t>
             </a:fld>
             <a:endParaRPr lang="fr-BE"/>
           </a:p>
@@ -1036,7 +1037,7 @@
           <a:p>
             <a:fld id="{AA309A6D-C09C-4548-B29A-6CF363A7E532}" type="datetimeFigureOut">
               <a:rPr lang="fr-FR" smtClean="0"/>
-              <a:t>10/02/2016</a:t>
+              <a:t>06/10/2016</a:t>
             </a:fld>
             <a:endParaRPr lang="fr-BE"/>
           </a:p>
@@ -1319,7 +1320,7 @@
           <a:p>
             <a:fld id="{AA309A6D-C09C-4548-B29A-6CF363A7E532}" type="datetimeFigureOut">
               <a:rPr lang="fr-FR" smtClean="0"/>
-              <a:t>10/02/2016</a:t>
+              <a:t>06/10/2016</a:t>
             </a:fld>
             <a:endParaRPr lang="fr-BE"/>
           </a:p>
@@ -1736,7 +1737,7 @@
           <a:p>
             <a:fld id="{AA309A6D-C09C-4548-B29A-6CF363A7E532}" type="datetimeFigureOut">
               <a:rPr lang="fr-FR" smtClean="0"/>
-              <a:t>10/02/2016</a:t>
+              <a:t>06/10/2016</a:t>
             </a:fld>
             <a:endParaRPr lang="fr-BE"/>
           </a:p>
@@ -1849,7 +1850,7 @@
           <a:p>
             <a:fld id="{AA309A6D-C09C-4548-B29A-6CF363A7E532}" type="datetimeFigureOut">
               <a:rPr lang="fr-FR" smtClean="0"/>
-              <a:t>10/02/2016</a:t>
+              <a:t>06/10/2016</a:t>
             </a:fld>
             <a:endParaRPr lang="fr-BE"/>
           </a:p>
@@ -1939,7 +1940,7 @@
           <a:p>
             <a:fld id="{AA309A6D-C09C-4548-B29A-6CF363A7E532}" type="datetimeFigureOut">
               <a:rPr lang="fr-FR" smtClean="0"/>
-              <a:t>10/02/2016</a:t>
+              <a:t>06/10/2016</a:t>
             </a:fld>
             <a:endParaRPr lang="fr-BE"/>
           </a:p>
@@ -2211,7 +2212,7 @@
           <a:p>
             <a:fld id="{AA309A6D-C09C-4548-B29A-6CF363A7E532}" type="datetimeFigureOut">
               <a:rPr lang="fr-FR" smtClean="0"/>
-              <a:t>10/02/2016</a:t>
+              <a:t>06/10/2016</a:t>
             </a:fld>
             <a:endParaRPr lang="fr-BE"/>
           </a:p>
@@ -2459,7 +2460,7 @@
           <a:p>
             <a:fld id="{AA309A6D-C09C-4548-B29A-6CF363A7E532}" type="datetimeFigureOut">
               <a:rPr lang="fr-FR" smtClean="0"/>
-              <a:t>10/02/2016</a:t>
+              <a:t>06/10/2016</a:t>
             </a:fld>
             <a:endParaRPr lang="fr-BE"/>
           </a:p>
@@ -2667,7 +2668,7 @@
           <a:p>
             <a:fld id="{AA309A6D-C09C-4548-B29A-6CF363A7E532}" type="datetimeFigureOut">
               <a:rPr lang="fr-FR" smtClean="0"/>
-              <a:t>10/02/2016</a:t>
+              <a:t>06/10/2016</a:t>
             </a:fld>
             <a:endParaRPr lang="fr-BE"/>
           </a:p>
@@ -3346,8 +3347,8 @@
           </a:p>
         </p:txBody>
       </p:sp>
-      <mc:AlternateContent xmlns:mc="http://schemas.openxmlformats.org/markup-compatibility/2006">
-        <mc:Choice xmlns:a14="http://schemas.microsoft.com/office/drawing/2010/main" Requires="a14">
+      <mc:AlternateContent xmlns:mc="http://schemas.openxmlformats.org/markup-compatibility/2006" xmlns:a14="http://schemas.microsoft.com/office/drawing/2010/main">
+        <mc:Choice Requires="a14">
           <p:sp>
             <p:nvSpPr>
               <p:cNvPr id="56" name="ZoneTexte 55"/>
@@ -3410,7 +3411,7 @@
             </p:txBody>
           </p:sp>
         </mc:Choice>
-        <mc:Fallback>
+        <mc:Fallback xmlns="">
           <p:sp>
             <p:nvSpPr>
               <p:cNvPr id="56" name="ZoneTexte 55"/>
@@ -4461,8 +4462,8 @@
           </a:fontRef>
         </p:style>
       </p:cxnSp>
-      <mc:AlternateContent xmlns:mc="http://schemas.openxmlformats.org/markup-compatibility/2006">
-        <mc:Choice xmlns:a14="http://schemas.microsoft.com/office/drawing/2010/main" Requires="a14">
+      <mc:AlternateContent xmlns:mc="http://schemas.openxmlformats.org/markup-compatibility/2006" xmlns:a14="http://schemas.microsoft.com/office/drawing/2010/main">
+        <mc:Choice Requires="a14">
           <p:sp>
             <p:nvSpPr>
               <p:cNvPr id="99" name="ZoneTexte 98"/>
@@ -4533,7 +4534,7 @@
             </p:txBody>
           </p:sp>
         </mc:Choice>
-        <mc:Fallback>
+        <mc:Fallback xmlns="">
           <p:sp>
             <p:nvSpPr>
               <p:cNvPr id="99" name="ZoneTexte 98"/>
@@ -4572,8 +4573,8 @@
           </p:sp>
         </mc:Fallback>
       </mc:AlternateContent>
-      <mc:AlternateContent xmlns:mc="http://schemas.openxmlformats.org/markup-compatibility/2006">
-        <mc:Choice xmlns:a14="http://schemas.microsoft.com/office/drawing/2010/main" Requires="a14">
+      <mc:AlternateContent xmlns:mc="http://schemas.openxmlformats.org/markup-compatibility/2006" xmlns:a14="http://schemas.microsoft.com/office/drawing/2010/main">
+        <mc:Choice Requires="a14">
           <p:sp>
             <p:nvSpPr>
               <p:cNvPr id="30" name="ZoneTexte 29"/>
@@ -4644,7 +4645,7 @@
             </p:txBody>
           </p:sp>
         </mc:Choice>
-        <mc:Fallback>
+        <mc:Fallback xmlns="">
           <p:sp>
             <p:nvSpPr>
               <p:cNvPr id="30" name="ZoneTexte 29"/>
@@ -4683,8 +4684,8 @@
           </p:sp>
         </mc:Fallback>
       </mc:AlternateContent>
-      <mc:AlternateContent xmlns:mc="http://schemas.openxmlformats.org/markup-compatibility/2006">
-        <mc:Choice xmlns:a14="http://schemas.microsoft.com/office/drawing/2010/main" Requires="a14">
+      <mc:AlternateContent xmlns:mc="http://schemas.openxmlformats.org/markup-compatibility/2006" xmlns:a14="http://schemas.microsoft.com/office/drawing/2010/main">
+        <mc:Choice Requires="a14">
           <p:sp>
             <p:nvSpPr>
               <p:cNvPr id="31" name="ZoneTexte 30"/>
@@ -4728,7 +4729,7 @@
             </p:txBody>
           </p:sp>
         </mc:Choice>
-        <mc:Fallback>
+        <mc:Fallback xmlns="">
           <p:sp>
             <p:nvSpPr>
               <p:cNvPr id="31" name="ZoneTexte 30"/>
@@ -4767,8 +4768,8 @@
           </p:sp>
         </mc:Fallback>
       </mc:AlternateContent>
-      <mc:AlternateContent xmlns:mc="http://schemas.openxmlformats.org/markup-compatibility/2006">
-        <mc:Choice xmlns:a14="http://schemas.microsoft.com/office/drawing/2010/main" Requires="a14">
+      <mc:AlternateContent xmlns:mc="http://schemas.openxmlformats.org/markup-compatibility/2006" xmlns:a14="http://schemas.microsoft.com/office/drawing/2010/main">
+        <mc:Choice Requires="a14">
           <p:sp>
             <p:nvSpPr>
               <p:cNvPr id="32" name="ZoneTexte 31"/>
@@ -4812,7 +4813,7 @@
             </p:txBody>
           </p:sp>
         </mc:Choice>
-        <mc:Fallback>
+        <mc:Fallback xmlns="">
           <p:sp>
             <p:nvSpPr>
               <p:cNvPr id="32" name="ZoneTexte 31"/>
@@ -4851,8 +4852,8 @@
           </p:sp>
         </mc:Fallback>
       </mc:AlternateContent>
-      <mc:AlternateContent xmlns:mc="http://schemas.openxmlformats.org/markup-compatibility/2006">
-        <mc:Choice xmlns:a14="http://schemas.microsoft.com/office/drawing/2010/main" Requires="a14">
+      <mc:AlternateContent xmlns:mc="http://schemas.openxmlformats.org/markup-compatibility/2006" xmlns:a14="http://schemas.microsoft.com/office/drawing/2010/main">
+        <mc:Choice Requires="a14">
           <p:sp>
             <p:nvSpPr>
               <p:cNvPr id="33" name="ZoneTexte 32"/>
@@ -4915,7 +4916,7 @@
             </p:txBody>
           </p:sp>
         </mc:Choice>
-        <mc:Fallback>
+        <mc:Fallback xmlns="">
           <p:sp>
             <p:nvSpPr>
               <p:cNvPr id="33" name="ZoneTexte 32"/>
@@ -4968,6 +4969,159 @@
 </file>
 
 <file path=ppt/slides/slide2.xml><?xml version="1.0" encoding="utf-8"?>
+<p:sld xmlns:a="http://schemas.openxmlformats.org/drawingml/2006/main" xmlns:r="http://schemas.openxmlformats.org/officeDocument/2006/relationships" xmlns:p="http://schemas.openxmlformats.org/presentationml/2006/main">
+  <p:cSld>
+    <p:spTree>
+      <p:nvGrpSpPr>
+        <p:cNvPr id="1" name=""/>
+        <p:cNvGrpSpPr/>
+        <p:nvPr/>
+      </p:nvGrpSpPr>
+      <p:grpSpPr>
+        <a:xfrm>
+          <a:off x="0" y="0"/>
+          <a:ext cx="0" cy="0"/>
+          <a:chOff x="0" y="0"/>
+          <a:chExt cx="0" cy="0"/>
+        </a:xfrm>
+      </p:grpSpPr>
+      <p:pic>
+        <p:nvPicPr>
+          <p:cNvPr id="1026" name="Picture 2" descr="F:\GitHub_Clef\Informatique\DS_2016_2017\DS_01_AlgorithmeCasteljau\images\courbe.png"/>
+          <p:cNvPicPr>
+            <a:picLocks noChangeAspect="1" noChangeArrowheads="1"/>
+          </p:cNvPicPr>
+          <p:nvPr/>
+        </p:nvPicPr>
+        <p:blipFill>
+          <a:blip r:embed="rId2">
+            <a:extLst>
+              <a:ext uri="{28A0092B-C50C-407E-A947-70E740481C1C}">
+                <a14:useLocalDpi xmlns:a14="http://schemas.microsoft.com/office/drawing/2010/main" val="0"/>
+              </a:ext>
+            </a:extLst>
+          </a:blip>
+          <a:srcRect/>
+          <a:stretch>
+            <a:fillRect/>
+          </a:stretch>
+        </p:blipFill>
+        <p:spPr bwMode="auto">
+          <a:xfrm>
+            <a:off x="0" y="1543201"/>
+            <a:ext cx="9144000" cy="3771597"/>
+          </a:xfrm>
+          <a:prstGeom prst="rect">
+            <a:avLst/>
+          </a:prstGeom>
+          <a:noFill/>
+          <a:extLst>
+            <a:ext uri="{909E8E84-426E-40DD-AFC4-6F175D3DCCD1}">
+              <a14:hiddenFill xmlns:a14="http://schemas.microsoft.com/office/drawing/2010/main">
+                <a:solidFill>
+                  <a:srgbClr val="FFFFFF"/>
+                </a:solidFill>
+              </a14:hiddenFill>
+            </a:ext>
+          </a:extLst>
+        </p:spPr>
+      </p:pic>
+      <p:sp>
+        <p:nvSpPr>
+          <p:cNvPr id="4" name="Rectangle 3"/>
+          <p:cNvSpPr/>
+          <p:nvPr/>
+        </p:nvSpPr>
+        <p:spPr>
+          <a:xfrm>
+            <a:off x="0" y="1340768"/>
+            <a:ext cx="1835696" cy="1224136"/>
+          </a:xfrm>
+          <a:prstGeom prst="rect">
+            <a:avLst/>
+          </a:prstGeom>
+          <a:solidFill>
+            <a:schemeClr val="bg1"/>
+          </a:solidFill>
+          <a:ln>
+            <a:solidFill>
+              <a:schemeClr val="bg1"/>
+            </a:solidFill>
+          </a:ln>
+        </p:spPr>
+        <p:style>
+          <a:lnRef idx="2">
+            <a:schemeClr val="accent1">
+              <a:shade val="50000"/>
+            </a:schemeClr>
+          </a:lnRef>
+          <a:fillRef idx="1">
+            <a:schemeClr val="accent1"/>
+          </a:fillRef>
+          <a:effectRef idx="0">
+            <a:schemeClr val="accent1"/>
+          </a:effectRef>
+          <a:fontRef idx="minor">
+            <a:schemeClr val="lt1"/>
+          </a:fontRef>
+        </p:style>
+        <p:txBody>
+          <a:bodyPr rtlCol="0" anchor="ctr"/>
+          <a:lstStyle/>
+          <a:p>
+            <a:pPr algn="ctr"/>
+            <a:endParaRPr lang="fr-FR"/>
+          </a:p>
+        </p:txBody>
+      </p:sp>
+      <p:sp>
+        <p:nvSpPr>
+          <p:cNvPr id="5" name="ZoneTexte 4"/>
+          <p:cNvSpPr txBox="1"/>
+          <p:nvPr/>
+        </p:nvSpPr>
+        <p:spPr>
+          <a:xfrm>
+            <a:off x="899592" y="1304779"/>
+            <a:ext cx="1584176" cy="584775"/>
+          </a:xfrm>
+          <a:prstGeom prst="rect">
+            <a:avLst/>
+          </a:prstGeom>
+          <a:noFill/>
+        </p:spPr>
+        <p:txBody>
+          <a:bodyPr wrap="square" rtlCol="0">
+            <a:spAutoFit/>
+          </a:bodyPr>
+          <a:lstStyle/>
+          <a:p>
+            <a:r>
+              <a:rPr lang="fr-FR" sz="3200" dirty="0" smtClean="0"/>
+              <a:t>Pôle P</a:t>
+            </a:r>
+            <a:r>
+              <a:rPr lang="fr-FR" sz="3200" baseline="-25000" dirty="0" smtClean="0"/>
+              <a:t>1</a:t>
+            </a:r>
+            <a:endParaRPr lang="fr-FR" sz="3200" baseline="-25000" dirty="0"/>
+          </a:p>
+        </p:txBody>
+      </p:sp>
+    </p:spTree>
+    <p:extLst>
+      <p:ext uri="{BB962C8B-B14F-4D97-AF65-F5344CB8AC3E}">
+        <p14:creationId xmlns:p14="http://schemas.microsoft.com/office/powerpoint/2010/main" val="3614207690"/>
+      </p:ext>
+    </p:extLst>
+  </p:cSld>
+  <p:clrMapOvr>
+    <a:masterClrMapping/>
+  </p:clrMapOvr>
+</p:sld>
+</file>
+
+<file path=ppt/slides/slide3.xml><?xml version="1.0" encoding="utf-8"?>
 <p:sld xmlns:a="http://schemas.openxmlformats.org/drawingml/2006/main" xmlns:r="http://schemas.openxmlformats.org/officeDocument/2006/relationships" xmlns:p="http://schemas.openxmlformats.org/presentationml/2006/main">
   <p:cSld>
     <p:spTree>
@@ -6478,7 +6632,7 @@
 </p:sld>
 </file>
 
-<file path=ppt/slides/slide3.xml><?xml version="1.0" encoding="utf-8"?>
+<file path=ppt/slides/slide4.xml><?xml version="1.0" encoding="utf-8"?>
 <p:sld xmlns:a="http://schemas.openxmlformats.org/drawingml/2006/main" xmlns:r="http://schemas.openxmlformats.org/officeDocument/2006/relationships" xmlns:p="http://schemas.openxmlformats.org/presentationml/2006/main">
   <p:cSld>
     <p:spTree>
